--- a/presentation.pptx
+++ b/presentation.pptx
@@ -3409,13 +3409,29 @@
           <a:lstStyle/>
           <a:p>
             <a:pPr algn="ctr"/>
+            <a:endParaRPr lang="fr-FR" dirty="0" smtClean="0">
+              <a:solidFill>
+                <a:schemeClr val="tx1"/>
+              </a:solidFill>
+            </a:endParaRPr>
+          </a:p>
+          <a:p>
+            <a:pPr algn="ctr"/>
             <a:r>
               <a:rPr lang="fr-FR" dirty="0" smtClean="0">
                 <a:solidFill>
                   <a:schemeClr val="tx1"/>
                 </a:solidFill>
               </a:rPr>
-              <a:t>User Interface</a:t>
+              <a:t>User </a:t>
+            </a:r>
+            <a:r>
+              <a:rPr lang="fr-FR" dirty="0" smtClean="0">
+                <a:solidFill>
+                  <a:schemeClr val="tx1"/>
+                </a:solidFill>
+              </a:rPr>
+              <a:t>Interface</a:t>
             </a:r>
             <a:endParaRPr lang="fr-FR" dirty="0">
               <a:solidFill>
@@ -3890,7 +3906,7 @@
         </p:nvSpPr>
         <p:spPr>
           <a:xfrm>
-            <a:off x="8851544" y="728606"/>
+            <a:off x="8845219" y="674545"/>
             <a:ext cx="2812225" cy="1472243"/>
           </a:xfrm>
           <a:prstGeom prst="roundRect">
@@ -4206,7 +4222,7 @@
         </p:blipFill>
         <p:spPr>
           <a:xfrm>
-            <a:off x="9261543" y="1133793"/>
+            <a:off x="9255218" y="1081995"/>
             <a:ext cx="1992225" cy="999289"/>
           </a:xfrm>
           <a:prstGeom prst="rect">
@@ -4432,8 +4448,8 @@
         </p:nvSpPr>
         <p:spPr>
           <a:xfrm>
-            <a:off x="3277460" y="2200849"/>
-            <a:ext cx="971002" cy="345688"/>
+            <a:off x="3073758" y="2554710"/>
+            <a:ext cx="1407667" cy="345688"/>
           </a:xfrm>
           <a:prstGeom prst="rightArrow">
             <a:avLst/>
@@ -4472,8 +4488,8 @@
         </p:nvSpPr>
         <p:spPr>
           <a:xfrm>
-            <a:off x="3250735" y="4159463"/>
-            <a:ext cx="971002" cy="345688"/>
+            <a:off x="3113003" y="4324808"/>
+            <a:ext cx="1364582" cy="345688"/>
           </a:xfrm>
           <a:prstGeom prst="rightArrow">
             <a:avLst/>
@@ -4512,8 +4528,8 @@
         </p:nvSpPr>
         <p:spPr>
           <a:xfrm>
-            <a:off x="3304686" y="5644507"/>
-            <a:ext cx="971002" cy="345688"/>
+            <a:off x="3112553" y="5644507"/>
+            <a:ext cx="1365031" cy="345688"/>
           </a:xfrm>
           <a:prstGeom prst="rightArrow">
             <a:avLst/>
@@ -4552,8 +4568,8 @@
         </p:nvSpPr>
         <p:spPr>
           <a:xfrm rot="16200000">
-            <a:off x="5647278" y="3589248"/>
-            <a:ext cx="1989775" cy="845329"/>
+            <a:off x="5438498" y="3491285"/>
+            <a:ext cx="2197942" cy="1054726"/>
           </a:xfrm>
           <a:prstGeom prst="leftRightUpArrow">
             <a:avLst/>
@@ -4622,8 +4638,8 @@
         </p:nvSpPr>
         <p:spPr>
           <a:xfrm>
-            <a:off x="10007660" y="6491789"/>
-            <a:ext cx="2207738" cy="369332"/>
+            <a:off x="10036861" y="6589314"/>
+            <a:ext cx="2207738" cy="276999"/>
           </a:xfrm>
           <a:prstGeom prst="rect">
             <a:avLst/>
@@ -4638,7 +4654,7 @@
           <a:p>
             <a:pPr algn="r"/>
             <a:r>
-              <a:rPr lang="fr-FR" dirty="0" smtClean="0"/>
+              <a:rPr lang="fr-FR" sz="1200" dirty="0" smtClean="0"/>
               <a:t>@ADAM Mario 2025</a:t>
             </a:r>
           </a:p>
@@ -4653,7 +4669,7 @@
         <p:spPr>
           <a:xfrm>
             <a:off x="7282344" y="1081995"/>
-            <a:ext cx="1349365" cy="345688"/>
+            <a:ext cx="1470958" cy="345688"/>
           </a:xfrm>
           <a:prstGeom prst="rightArrow">
             <a:avLst/>
@@ -4692,8 +4708,8 @@
         </p:nvSpPr>
         <p:spPr>
           <a:xfrm rot="16200000">
-            <a:off x="9694285" y="2492909"/>
-            <a:ext cx="545984" cy="307552"/>
+            <a:off x="9434250" y="2580099"/>
+            <a:ext cx="1066053" cy="307552"/>
           </a:xfrm>
           <a:prstGeom prst="chevron">
             <a:avLst/>
